--- a/Documentation/logo.pptx
+++ b/Documentation/logo.pptx
@@ -3386,7 +3386,7 @@
         </p:nvSpPr>
         <p:spPr>
           <a:xfrm>
-            <a:off x="2238200" y="3428999"/>
+            <a:off x="2238200" y="3418901"/>
             <a:ext cx="2648607" cy="488093"/>
           </a:xfrm>
           <a:prstGeom prst="rect">
@@ -3438,7 +3438,7 @@
         </p:nvSpPr>
         <p:spPr>
           <a:xfrm>
-            <a:off x="2238200" y="2930809"/>
+            <a:off x="2238198" y="2930808"/>
             <a:ext cx="2648607" cy="488093"/>
           </a:xfrm>
           <a:prstGeom prst="rect">
@@ -3490,7 +3490,7 @@
         </p:nvSpPr>
         <p:spPr>
           <a:xfrm>
-            <a:off x="2530008" y="3034181"/>
+            <a:off x="2530006" y="3034180"/>
             <a:ext cx="2064989" cy="769441"/>
           </a:xfrm>
           <a:prstGeom prst="rect">
